--- a/ppt 16-9/1306.宝贝放在瓦器.pptx
+++ b/ppt 16-9/1306.宝贝放在瓦器.pptx
@@ -129,7 +129,7 @@
           <p:cNvPr id="2" name="标题 1">
             <a:extLst>
               <a:ext uri="{FF2B5EF4-FFF2-40B4-BE49-F238E27FC236}">
-                <a16:creationId xmlns:a16="http://schemas.microsoft.com/office/drawing/2014/main" id="{8A61FC1A-CAF1-A7F1-F39C-0E2693BE744E}"/>
+                <a16:creationId xmlns:a16="http://schemas.microsoft.com/office/drawing/2014/main" id="{7CD965CC-4467-3AE8-5DDB-10D20ED9B7A0}"/>
               </a:ext>
             </a:extLst>
           </p:cNvPr>
@@ -166,7 +166,7 @@
           <p:cNvPr id="3" name="副标题 2">
             <a:extLst>
               <a:ext uri="{FF2B5EF4-FFF2-40B4-BE49-F238E27FC236}">
-                <a16:creationId xmlns:a16="http://schemas.microsoft.com/office/drawing/2014/main" id="{51AF8D6F-642C-96DA-366D-4CE1FF07D8E6}"/>
+                <a16:creationId xmlns:a16="http://schemas.microsoft.com/office/drawing/2014/main" id="{24242F7F-D447-3319-E67F-D2F1963C1093}"/>
               </a:ext>
             </a:extLst>
           </p:cNvPr>
@@ -236,7 +236,7 @@
           <p:cNvPr id="4" name="日期占位符 3">
             <a:extLst>
               <a:ext uri="{FF2B5EF4-FFF2-40B4-BE49-F238E27FC236}">
-                <a16:creationId xmlns:a16="http://schemas.microsoft.com/office/drawing/2014/main" id="{A06B5C16-40BD-DE00-9959-762E37BF3603}"/>
+                <a16:creationId xmlns:a16="http://schemas.microsoft.com/office/drawing/2014/main" id="{DD359AAA-4FC8-6DD2-17C1-6F9AD80968D6}"/>
               </a:ext>
             </a:extLst>
           </p:cNvPr>
@@ -252,7 +252,7 @@
           <a:bodyPr/>
           <a:lstStyle/>
           <a:p>
-            <a:fld id="{C97B3CA7-DA29-4662-B2E5-7D71EEDD2FE6}" type="datetimeFigureOut">
+            <a:fld id="{CF49AC0C-ED29-4787-9FF8-987E3E5F0D6A}" type="datetimeFigureOut">
               <a:rPr lang="zh-CN" altLang="en-US" smtClean="0"/>
               <a:t>2024/3/10</a:t>
             </a:fld>
@@ -265,7 +265,7 @@
           <p:cNvPr id="5" name="页脚占位符 4">
             <a:extLst>
               <a:ext uri="{FF2B5EF4-FFF2-40B4-BE49-F238E27FC236}">
-                <a16:creationId xmlns:a16="http://schemas.microsoft.com/office/drawing/2014/main" id="{61CC1F3C-E517-649A-91EA-5CEFFB6278F3}"/>
+                <a16:creationId xmlns:a16="http://schemas.microsoft.com/office/drawing/2014/main" id="{51A8B12F-EC4F-DE41-514E-3EDAC019B105}"/>
               </a:ext>
             </a:extLst>
           </p:cNvPr>
@@ -290,7 +290,7 @@
           <p:cNvPr id="6" name="灯片编号占位符 5">
             <a:extLst>
               <a:ext uri="{FF2B5EF4-FFF2-40B4-BE49-F238E27FC236}">
-                <a16:creationId xmlns:a16="http://schemas.microsoft.com/office/drawing/2014/main" id="{48404C73-007B-6D34-5781-470C970037E2}"/>
+                <a16:creationId xmlns:a16="http://schemas.microsoft.com/office/drawing/2014/main" id="{949345B9-D176-4D36-D0F7-3B0520B10066}"/>
               </a:ext>
             </a:extLst>
           </p:cNvPr>
@@ -306,7 +306,7 @@
           <a:bodyPr/>
           <a:lstStyle/>
           <a:p>
-            <a:fld id="{649326B7-02F6-405E-9734-16F48B5C3F5E}" type="slidenum">
+            <a:fld id="{5B95262F-5ACD-42B1-AED0-C59A974D155F}" type="slidenum">
               <a:rPr lang="zh-CN" altLang="en-US" smtClean="0"/>
               <a:t>‹#›</a:t>
             </a:fld>
@@ -317,7 +317,7 @@
     </p:spTree>
     <p:extLst>
       <p:ext uri="{BB962C8B-B14F-4D97-AF65-F5344CB8AC3E}">
-        <p14:creationId xmlns:p14="http://schemas.microsoft.com/office/powerpoint/2010/main" val="2386869380"/>
+        <p14:creationId xmlns:p14="http://schemas.microsoft.com/office/powerpoint/2010/main" val="4022622647"/>
       </p:ext>
     </p:extLst>
   </p:cSld>
@@ -349,7 +349,7 @@
           <p:cNvPr id="2" name="标题 1">
             <a:extLst>
               <a:ext uri="{FF2B5EF4-FFF2-40B4-BE49-F238E27FC236}">
-                <a16:creationId xmlns:a16="http://schemas.microsoft.com/office/drawing/2014/main" id="{BE01BED5-252C-44FE-DAFE-C164267D1074}"/>
+                <a16:creationId xmlns:a16="http://schemas.microsoft.com/office/drawing/2014/main" id="{25CA843F-BEB5-623C-4A61-15D00E3CA963}"/>
               </a:ext>
             </a:extLst>
           </p:cNvPr>
@@ -377,7 +377,7 @@
           <p:cNvPr id="3" name="竖排文字占位符 2">
             <a:extLst>
               <a:ext uri="{FF2B5EF4-FFF2-40B4-BE49-F238E27FC236}">
-                <a16:creationId xmlns:a16="http://schemas.microsoft.com/office/drawing/2014/main" id="{9837433F-7E77-ACC1-1ABF-52ED3D93FC09}"/>
+                <a16:creationId xmlns:a16="http://schemas.microsoft.com/office/drawing/2014/main" id="{34AB417A-354B-99B3-0C2A-A5384B6099D8}"/>
               </a:ext>
             </a:extLst>
           </p:cNvPr>
@@ -434,7 +434,7 @@
           <p:cNvPr id="4" name="日期占位符 3">
             <a:extLst>
               <a:ext uri="{FF2B5EF4-FFF2-40B4-BE49-F238E27FC236}">
-                <a16:creationId xmlns:a16="http://schemas.microsoft.com/office/drawing/2014/main" id="{77DE6248-7DC9-6113-477A-31D05DDE0037}"/>
+                <a16:creationId xmlns:a16="http://schemas.microsoft.com/office/drawing/2014/main" id="{36577B5C-9CCC-8494-20B7-0028E05B37C6}"/>
               </a:ext>
             </a:extLst>
           </p:cNvPr>
@@ -450,7 +450,7 @@
           <a:bodyPr/>
           <a:lstStyle/>
           <a:p>
-            <a:fld id="{C97B3CA7-DA29-4662-B2E5-7D71EEDD2FE6}" type="datetimeFigureOut">
+            <a:fld id="{CF49AC0C-ED29-4787-9FF8-987E3E5F0D6A}" type="datetimeFigureOut">
               <a:rPr lang="zh-CN" altLang="en-US" smtClean="0"/>
               <a:t>2024/3/10</a:t>
             </a:fld>
@@ -463,7 +463,7 @@
           <p:cNvPr id="5" name="页脚占位符 4">
             <a:extLst>
               <a:ext uri="{FF2B5EF4-FFF2-40B4-BE49-F238E27FC236}">
-                <a16:creationId xmlns:a16="http://schemas.microsoft.com/office/drawing/2014/main" id="{2565662C-5D7A-7D98-B74D-000E0F43E15F}"/>
+                <a16:creationId xmlns:a16="http://schemas.microsoft.com/office/drawing/2014/main" id="{DDB0936C-7D9E-16D6-9035-DFEB06B3795F}"/>
               </a:ext>
             </a:extLst>
           </p:cNvPr>
@@ -488,7 +488,7 @@
           <p:cNvPr id="6" name="灯片编号占位符 5">
             <a:extLst>
               <a:ext uri="{FF2B5EF4-FFF2-40B4-BE49-F238E27FC236}">
-                <a16:creationId xmlns:a16="http://schemas.microsoft.com/office/drawing/2014/main" id="{78EDCCEB-8F40-9D75-2EE2-E7468BC1C57B}"/>
+                <a16:creationId xmlns:a16="http://schemas.microsoft.com/office/drawing/2014/main" id="{6F40826D-867B-F95E-83D0-99FC90AA3D53}"/>
               </a:ext>
             </a:extLst>
           </p:cNvPr>
@@ -504,7 +504,7 @@
           <a:bodyPr/>
           <a:lstStyle/>
           <a:p>
-            <a:fld id="{649326B7-02F6-405E-9734-16F48B5C3F5E}" type="slidenum">
+            <a:fld id="{5B95262F-5ACD-42B1-AED0-C59A974D155F}" type="slidenum">
               <a:rPr lang="zh-CN" altLang="en-US" smtClean="0"/>
               <a:t>‹#›</a:t>
             </a:fld>
@@ -515,7 +515,7 @@
     </p:spTree>
     <p:extLst>
       <p:ext uri="{BB962C8B-B14F-4D97-AF65-F5344CB8AC3E}">
-        <p14:creationId xmlns:p14="http://schemas.microsoft.com/office/powerpoint/2010/main" val="131526050"/>
+        <p14:creationId xmlns:p14="http://schemas.microsoft.com/office/powerpoint/2010/main" val="1108415227"/>
       </p:ext>
     </p:extLst>
   </p:cSld>
@@ -547,7 +547,7 @@
           <p:cNvPr id="2" name="竖排标题 1">
             <a:extLst>
               <a:ext uri="{FF2B5EF4-FFF2-40B4-BE49-F238E27FC236}">
-                <a16:creationId xmlns:a16="http://schemas.microsoft.com/office/drawing/2014/main" id="{D4453E85-4C03-E53E-1508-B36339AD54BC}"/>
+                <a16:creationId xmlns:a16="http://schemas.microsoft.com/office/drawing/2014/main" id="{3F35D16B-00D9-D509-9E8B-89BA2C9E641B}"/>
               </a:ext>
             </a:extLst>
           </p:cNvPr>
@@ -580,7 +580,7 @@
           <p:cNvPr id="3" name="竖排文字占位符 2">
             <a:extLst>
               <a:ext uri="{FF2B5EF4-FFF2-40B4-BE49-F238E27FC236}">
-                <a16:creationId xmlns:a16="http://schemas.microsoft.com/office/drawing/2014/main" id="{932DD190-F171-E2A5-42B3-1CD0FD078ED5}"/>
+                <a16:creationId xmlns:a16="http://schemas.microsoft.com/office/drawing/2014/main" id="{C975318F-3819-0E14-67F1-0128C2052844}"/>
               </a:ext>
             </a:extLst>
           </p:cNvPr>
@@ -642,7 +642,7 @@
           <p:cNvPr id="4" name="日期占位符 3">
             <a:extLst>
               <a:ext uri="{FF2B5EF4-FFF2-40B4-BE49-F238E27FC236}">
-                <a16:creationId xmlns:a16="http://schemas.microsoft.com/office/drawing/2014/main" id="{63FCAAF9-6EBC-6375-A1DF-82224D445198}"/>
+                <a16:creationId xmlns:a16="http://schemas.microsoft.com/office/drawing/2014/main" id="{3008B49F-F170-2D19-C2FE-6C85A85C6B78}"/>
               </a:ext>
             </a:extLst>
           </p:cNvPr>
@@ -658,7 +658,7 @@
           <a:bodyPr/>
           <a:lstStyle/>
           <a:p>
-            <a:fld id="{C97B3CA7-DA29-4662-B2E5-7D71EEDD2FE6}" type="datetimeFigureOut">
+            <a:fld id="{CF49AC0C-ED29-4787-9FF8-987E3E5F0D6A}" type="datetimeFigureOut">
               <a:rPr lang="zh-CN" altLang="en-US" smtClean="0"/>
               <a:t>2024/3/10</a:t>
             </a:fld>
@@ -671,7 +671,7 @@
           <p:cNvPr id="5" name="页脚占位符 4">
             <a:extLst>
               <a:ext uri="{FF2B5EF4-FFF2-40B4-BE49-F238E27FC236}">
-                <a16:creationId xmlns:a16="http://schemas.microsoft.com/office/drawing/2014/main" id="{5B0B8CA8-A8F6-E765-A19B-422B28C32404}"/>
+                <a16:creationId xmlns:a16="http://schemas.microsoft.com/office/drawing/2014/main" id="{2896CDD5-A595-B94C-4638-A6DB46C4D736}"/>
               </a:ext>
             </a:extLst>
           </p:cNvPr>
@@ -696,7 +696,7 @@
           <p:cNvPr id="6" name="灯片编号占位符 5">
             <a:extLst>
               <a:ext uri="{FF2B5EF4-FFF2-40B4-BE49-F238E27FC236}">
-                <a16:creationId xmlns:a16="http://schemas.microsoft.com/office/drawing/2014/main" id="{57CFE476-254C-97DA-0F84-2AC911B8F60C}"/>
+                <a16:creationId xmlns:a16="http://schemas.microsoft.com/office/drawing/2014/main" id="{988CD56A-D135-7038-0E09-36691B8F7AFF}"/>
               </a:ext>
             </a:extLst>
           </p:cNvPr>
@@ -712,7 +712,7 @@
           <a:bodyPr/>
           <a:lstStyle/>
           <a:p>
-            <a:fld id="{649326B7-02F6-405E-9734-16F48B5C3F5E}" type="slidenum">
+            <a:fld id="{5B95262F-5ACD-42B1-AED0-C59A974D155F}" type="slidenum">
               <a:rPr lang="zh-CN" altLang="en-US" smtClean="0"/>
               <a:t>‹#›</a:t>
             </a:fld>
@@ -723,7 +723,7 @@
     </p:spTree>
     <p:extLst>
       <p:ext uri="{BB962C8B-B14F-4D97-AF65-F5344CB8AC3E}">
-        <p14:creationId xmlns:p14="http://schemas.microsoft.com/office/powerpoint/2010/main" val="1990475278"/>
+        <p14:creationId xmlns:p14="http://schemas.microsoft.com/office/powerpoint/2010/main" val="961804455"/>
       </p:ext>
     </p:extLst>
   </p:cSld>
@@ -755,7 +755,7 @@
           <p:cNvPr id="2" name="标题 1">
             <a:extLst>
               <a:ext uri="{FF2B5EF4-FFF2-40B4-BE49-F238E27FC236}">
-                <a16:creationId xmlns:a16="http://schemas.microsoft.com/office/drawing/2014/main" id="{1FE8BF04-8C09-ECC8-AF5A-22E4CBCD4CFF}"/>
+                <a16:creationId xmlns:a16="http://schemas.microsoft.com/office/drawing/2014/main" id="{1AD7D416-2438-E517-E5B0-A04421CBD7AD}"/>
               </a:ext>
             </a:extLst>
           </p:cNvPr>
@@ -783,7 +783,7 @@
           <p:cNvPr id="3" name="内容占位符 2">
             <a:extLst>
               <a:ext uri="{FF2B5EF4-FFF2-40B4-BE49-F238E27FC236}">
-                <a16:creationId xmlns:a16="http://schemas.microsoft.com/office/drawing/2014/main" id="{32375C1B-F950-D785-73E6-ED3D7CE6E574}"/>
+                <a16:creationId xmlns:a16="http://schemas.microsoft.com/office/drawing/2014/main" id="{BDF9A525-677F-97F3-FC5E-4D8B05A8CB5C}"/>
               </a:ext>
             </a:extLst>
           </p:cNvPr>
@@ -840,7 +840,7 @@
           <p:cNvPr id="4" name="日期占位符 3">
             <a:extLst>
               <a:ext uri="{FF2B5EF4-FFF2-40B4-BE49-F238E27FC236}">
-                <a16:creationId xmlns:a16="http://schemas.microsoft.com/office/drawing/2014/main" id="{DECBC059-A257-FE5E-30D3-9175C778436D}"/>
+                <a16:creationId xmlns:a16="http://schemas.microsoft.com/office/drawing/2014/main" id="{ED52AEA8-C4C9-D418-6F64-A032746E2702}"/>
               </a:ext>
             </a:extLst>
           </p:cNvPr>
@@ -856,7 +856,7 @@
           <a:bodyPr/>
           <a:lstStyle/>
           <a:p>
-            <a:fld id="{C97B3CA7-DA29-4662-B2E5-7D71EEDD2FE6}" type="datetimeFigureOut">
+            <a:fld id="{CF49AC0C-ED29-4787-9FF8-987E3E5F0D6A}" type="datetimeFigureOut">
               <a:rPr lang="zh-CN" altLang="en-US" smtClean="0"/>
               <a:t>2024/3/10</a:t>
             </a:fld>
@@ -869,7 +869,7 @@
           <p:cNvPr id="5" name="页脚占位符 4">
             <a:extLst>
               <a:ext uri="{FF2B5EF4-FFF2-40B4-BE49-F238E27FC236}">
-                <a16:creationId xmlns:a16="http://schemas.microsoft.com/office/drawing/2014/main" id="{DAE9F426-8632-9274-73AE-D6C3EC3891F9}"/>
+                <a16:creationId xmlns:a16="http://schemas.microsoft.com/office/drawing/2014/main" id="{E2C2427B-F850-AEF7-CAD9-A847796EA7C7}"/>
               </a:ext>
             </a:extLst>
           </p:cNvPr>
@@ -894,7 +894,7 @@
           <p:cNvPr id="6" name="灯片编号占位符 5">
             <a:extLst>
               <a:ext uri="{FF2B5EF4-FFF2-40B4-BE49-F238E27FC236}">
-                <a16:creationId xmlns:a16="http://schemas.microsoft.com/office/drawing/2014/main" id="{974C2406-A609-FC18-F6BD-690D6CEA5800}"/>
+                <a16:creationId xmlns:a16="http://schemas.microsoft.com/office/drawing/2014/main" id="{21421C40-A46E-00A4-837F-66512955DDDE}"/>
               </a:ext>
             </a:extLst>
           </p:cNvPr>
@@ -910,7 +910,7 @@
           <a:bodyPr/>
           <a:lstStyle/>
           <a:p>
-            <a:fld id="{649326B7-02F6-405E-9734-16F48B5C3F5E}" type="slidenum">
+            <a:fld id="{5B95262F-5ACD-42B1-AED0-C59A974D155F}" type="slidenum">
               <a:rPr lang="zh-CN" altLang="en-US" smtClean="0"/>
               <a:t>‹#›</a:t>
             </a:fld>
@@ -921,7 +921,7 @@
     </p:spTree>
     <p:extLst>
       <p:ext uri="{BB962C8B-B14F-4D97-AF65-F5344CB8AC3E}">
-        <p14:creationId xmlns:p14="http://schemas.microsoft.com/office/powerpoint/2010/main" val="3981096768"/>
+        <p14:creationId xmlns:p14="http://schemas.microsoft.com/office/powerpoint/2010/main" val="1209684062"/>
       </p:ext>
     </p:extLst>
   </p:cSld>
@@ -953,7 +953,7 @@
           <p:cNvPr id="2" name="标题 1">
             <a:extLst>
               <a:ext uri="{FF2B5EF4-FFF2-40B4-BE49-F238E27FC236}">
-                <a16:creationId xmlns:a16="http://schemas.microsoft.com/office/drawing/2014/main" id="{B55CB5A4-9B76-84F4-E3A3-B626DD73905A}"/>
+                <a16:creationId xmlns:a16="http://schemas.microsoft.com/office/drawing/2014/main" id="{45C3516A-7C22-3A87-044C-2939DA336A63}"/>
               </a:ext>
             </a:extLst>
           </p:cNvPr>
@@ -990,7 +990,7 @@
           <p:cNvPr id="3" name="文本占位符 2">
             <a:extLst>
               <a:ext uri="{FF2B5EF4-FFF2-40B4-BE49-F238E27FC236}">
-                <a16:creationId xmlns:a16="http://schemas.microsoft.com/office/drawing/2014/main" id="{085E676E-951E-606D-F2F7-12AE3C2976C3}"/>
+                <a16:creationId xmlns:a16="http://schemas.microsoft.com/office/drawing/2014/main" id="{BB90F398-929D-84D7-F123-19767C14B365}"/>
               </a:ext>
             </a:extLst>
           </p:cNvPr>
@@ -1115,7 +1115,7 @@
           <p:cNvPr id="4" name="日期占位符 3">
             <a:extLst>
               <a:ext uri="{FF2B5EF4-FFF2-40B4-BE49-F238E27FC236}">
-                <a16:creationId xmlns:a16="http://schemas.microsoft.com/office/drawing/2014/main" id="{464040AC-3261-1622-6348-10B504535055}"/>
+                <a16:creationId xmlns:a16="http://schemas.microsoft.com/office/drawing/2014/main" id="{687D093A-E917-947D-B62A-BB54358FC36A}"/>
               </a:ext>
             </a:extLst>
           </p:cNvPr>
@@ -1131,7 +1131,7 @@
           <a:bodyPr/>
           <a:lstStyle/>
           <a:p>
-            <a:fld id="{C97B3CA7-DA29-4662-B2E5-7D71EEDD2FE6}" type="datetimeFigureOut">
+            <a:fld id="{CF49AC0C-ED29-4787-9FF8-987E3E5F0D6A}" type="datetimeFigureOut">
               <a:rPr lang="zh-CN" altLang="en-US" smtClean="0"/>
               <a:t>2024/3/10</a:t>
             </a:fld>
@@ -1144,7 +1144,7 @@
           <p:cNvPr id="5" name="页脚占位符 4">
             <a:extLst>
               <a:ext uri="{FF2B5EF4-FFF2-40B4-BE49-F238E27FC236}">
-                <a16:creationId xmlns:a16="http://schemas.microsoft.com/office/drawing/2014/main" id="{1E34453B-7A57-2892-F249-C780EB557395}"/>
+                <a16:creationId xmlns:a16="http://schemas.microsoft.com/office/drawing/2014/main" id="{75DE313A-1DA3-9DBE-1A7F-A9B99ACB3B8F}"/>
               </a:ext>
             </a:extLst>
           </p:cNvPr>
@@ -1169,7 +1169,7 @@
           <p:cNvPr id="6" name="灯片编号占位符 5">
             <a:extLst>
               <a:ext uri="{FF2B5EF4-FFF2-40B4-BE49-F238E27FC236}">
-                <a16:creationId xmlns:a16="http://schemas.microsoft.com/office/drawing/2014/main" id="{B0D2B40C-5A53-C01B-70FE-F0ACE886B822}"/>
+                <a16:creationId xmlns:a16="http://schemas.microsoft.com/office/drawing/2014/main" id="{9DAC0060-0683-15BA-AF21-C7A36614FFBB}"/>
               </a:ext>
             </a:extLst>
           </p:cNvPr>
@@ -1185,7 +1185,7 @@
           <a:bodyPr/>
           <a:lstStyle/>
           <a:p>
-            <a:fld id="{649326B7-02F6-405E-9734-16F48B5C3F5E}" type="slidenum">
+            <a:fld id="{5B95262F-5ACD-42B1-AED0-C59A974D155F}" type="slidenum">
               <a:rPr lang="zh-CN" altLang="en-US" smtClean="0"/>
               <a:t>‹#›</a:t>
             </a:fld>
@@ -1196,7 +1196,7 @@
     </p:spTree>
     <p:extLst>
       <p:ext uri="{BB962C8B-B14F-4D97-AF65-F5344CB8AC3E}">
-        <p14:creationId xmlns:p14="http://schemas.microsoft.com/office/powerpoint/2010/main" val="2769148124"/>
+        <p14:creationId xmlns:p14="http://schemas.microsoft.com/office/powerpoint/2010/main" val="110807629"/>
       </p:ext>
     </p:extLst>
   </p:cSld>
@@ -1228,7 +1228,7 @@
           <p:cNvPr id="2" name="标题 1">
             <a:extLst>
               <a:ext uri="{FF2B5EF4-FFF2-40B4-BE49-F238E27FC236}">
-                <a16:creationId xmlns:a16="http://schemas.microsoft.com/office/drawing/2014/main" id="{AA485164-A773-0FD7-4A06-1F581B3F5394}"/>
+                <a16:creationId xmlns:a16="http://schemas.microsoft.com/office/drawing/2014/main" id="{4E8D828D-4D3F-3BAA-4FA1-2BBAB595CC8D}"/>
               </a:ext>
             </a:extLst>
           </p:cNvPr>
@@ -1256,7 +1256,7 @@
           <p:cNvPr id="3" name="内容占位符 2">
             <a:extLst>
               <a:ext uri="{FF2B5EF4-FFF2-40B4-BE49-F238E27FC236}">
-                <a16:creationId xmlns:a16="http://schemas.microsoft.com/office/drawing/2014/main" id="{F181C502-3042-A50A-0B64-1D64F054D282}"/>
+                <a16:creationId xmlns:a16="http://schemas.microsoft.com/office/drawing/2014/main" id="{D791E372-8D84-2925-7EBE-670586B0B1D3}"/>
               </a:ext>
             </a:extLst>
           </p:cNvPr>
@@ -1318,7 +1318,7 @@
           <p:cNvPr id="4" name="内容占位符 3">
             <a:extLst>
               <a:ext uri="{FF2B5EF4-FFF2-40B4-BE49-F238E27FC236}">
-                <a16:creationId xmlns:a16="http://schemas.microsoft.com/office/drawing/2014/main" id="{47D3B747-5246-B95D-3ECE-4FFEBDC39AE6}"/>
+                <a16:creationId xmlns:a16="http://schemas.microsoft.com/office/drawing/2014/main" id="{CC4A4EA4-26D3-821A-AC6D-D71D39E24EB6}"/>
               </a:ext>
             </a:extLst>
           </p:cNvPr>
@@ -1380,7 +1380,7 @@
           <p:cNvPr id="5" name="日期占位符 4">
             <a:extLst>
               <a:ext uri="{FF2B5EF4-FFF2-40B4-BE49-F238E27FC236}">
-                <a16:creationId xmlns:a16="http://schemas.microsoft.com/office/drawing/2014/main" id="{6CDA1DDA-E1A1-3315-EF0B-A9E667DAE861}"/>
+                <a16:creationId xmlns:a16="http://schemas.microsoft.com/office/drawing/2014/main" id="{A4363977-9991-21E9-6C75-DD9B6AA78EB8}"/>
               </a:ext>
             </a:extLst>
           </p:cNvPr>
@@ -1396,7 +1396,7 @@
           <a:bodyPr/>
           <a:lstStyle/>
           <a:p>
-            <a:fld id="{C97B3CA7-DA29-4662-B2E5-7D71EEDD2FE6}" type="datetimeFigureOut">
+            <a:fld id="{CF49AC0C-ED29-4787-9FF8-987E3E5F0D6A}" type="datetimeFigureOut">
               <a:rPr lang="zh-CN" altLang="en-US" smtClean="0"/>
               <a:t>2024/3/10</a:t>
             </a:fld>
@@ -1409,7 +1409,7 @@
           <p:cNvPr id="6" name="页脚占位符 5">
             <a:extLst>
               <a:ext uri="{FF2B5EF4-FFF2-40B4-BE49-F238E27FC236}">
-                <a16:creationId xmlns:a16="http://schemas.microsoft.com/office/drawing/2014/main" id="{6A4119AD-3753-3108-092F-28CAF8F68CF1}"/>
+                <a16:creationId xmlns:a16="http://schemas.microsoft.com/office/drawing/2014/main" id="{9829E57B-1210-CD45-2814-C246B73BCC4E}"/>
               </a:ext>
             </a:extLst>
           </p:cNvPr>
@@ -1434,7 +1434,7 @@
           <p:cNvPr id="7" name="灯片编号占位符 6">
             <a:extLst>
               <a:ext uri="{FF2B5EF4-FFF2-40B4-BE49-F238E27FC236}">
-                <a16:creationId xmlns:a16="http://schemas.microsoft.com/office/drawing/2014/main" id="{B37D362E-FB69-3F46-1C5E-0B4CE922F682}"/>
+                <a16:creationId xmlns:a16="http://schemas.microsoft.com/office/drawing/2014/main" id="{4E20459B-4C0F-BE44-4678-6087030F1303}"/>
               </a:ext>
             </a:extLst>
           </p:cNvPr>
@@ -1450,7 +1450,7 @@
           <a:bodyPr/>
           <a:lstStyle/>
           <a:p>
-            <a:fld id="{649326B7-02F6-405E-9734-16F48B5C3F5E}" type="slidenum">
+            <a:fld id="{5B95262F-5ACD-42B1-AED0-C59A974D155F}" type="slidenum">
               <a:rPr lang="zh-CN" altLang="en-US" smtClean="0"/>
               <a:t>‹#›</a:t>
             </a:fld>
@@ -1461,7 +1461,7 @@
     </p:spTree>
     <p:extLst>
       <p:ext uri="{BB962C8B-B14F-4D97-AF65-F5344CB8AC3E}">
-        <p14:creationId xmlns:p14="http://schemas.microsoft.com/office/powerpoint/2010/main" val="3081856619"/>
+        <p14:creationId xmlns:p14="http://schemas.microsoft.com/office/powerpoint/2010/main" val="3418167672"/>
       </p:ext>
     </p:extLst>
   </p:cSld>
@@ -1493,7 +1493,7 @@
           <p:cNvPr id="2" name="标题 1">
             <a:extLst>
               <a:ext uri="{FF2B5EF4-FFF2-40B4-BE49-F238E27FC236}">
-                <a16:creationId xmlns:a16="http://schemas.microsoft.com/office/drawing/2014/main" id="{74345D89-7DA5-F03B-D204-979500DA9154}"/>
+                <a16:creationId xmlns:a16="http://schemas.microsoft.com/office/drawing/2014/main" id="{68E8FFAC-5F61-2853-A791-C6B33BFA89F5}"/>
               </a:ext>
             </a:extLst>
           </p:cNvPr>
@@ -1526,7 +1526,7 @@
           <p:cNvPr id="3" name="文本占位符 2">
             <a:extLst>
               <a:ext uri="{FF2B5EF4-FFF2-40B4-BE49-F238E27FC236}">
-                <a16:creationId xmlns:a16="http://schemas.microsoft.com/office/drawing/2014/main" id="{99BEAC12-465A-6503-ABA8-6E2E88D94DE4}"/>
+                <a16:creationId xmlns:a16="http://schemas.microsoft.com/office/drawing/2014/main" id="{7667F230-3C69-E2C8-61ED-625E624BDDFD}"/>
               </a:ext>
             </a:extLst>
           </p:cNvPr>
@@ -1597,7 +1597,7 @@
           <p:cNvPr id="4" name="内容占位符 3">
             <a:extLst>
               <a:ext uri="{FF2B5EF4-FFF2-40B4-BE49-F238E27FC236}">
-                <a16:creationId xmlns:a16="http://schemas.microsoft.com/office/drawing/2014/main" id="{63755621-10AF-6B73-5E63-58405CD9E290}"/>
+                <a16:creationId xmlns:a16="http://schemas.microsoft.com/office/drawing/2014/main" id="{5AF2CFD1-FF67-9DC5-CCBB-DFAC5C9EF793}"/>
               </a:ext>
             </a:extLst>
           </p:cNvPr>
@@ -1659,7 +1659,7 @@
           <p:cNvPr id="5" name="文本占位符 4">
             <a:extLst>
               <a:ext uri="{FF2B5EF4-FFF2-40B4-BE49-F238E27FC236}">
-                <a16:creationId xmlns:a16="http://schemas.microsoft.com/office/drawing/2014/main" id="{3205168B-AACB-6078-D52F-3008599CE045}"/>
+                <a16:creationId xmlns:a16="http://schemas.microsoft.com/office/drawing/2014/main" id="{DD07E7AB-2062-0204-5A04-B05AC7BAAA89}"/>
               </a:ext>
             </a:extLst>
           </p:cNvPr>
@@ -1730,7 +1730,7 @@
           <p:cNvPr id="6" name="内容占位符 5">
             <a:extLst>
               <a:ext uri="{FF2B5EF4-FFF2-40B4-BE49-F238E27FC236}">
-                <a16:creationId xmlns:a16="http://schemas.microsoft.com/office/drawing/2014/main" id="{CB39D6FE-596C-D77D-8EE1-A8B5778E3AC1}"/>
+                <a16:creationId xmlns:a16="http://schemas.microsoft.com/office/drawing/2014/main" id="{A7BAA89B-471A-220E-AF00-6043411DB3E1}"/>
               </a:ext>
             </a:extLst>
           </p:cNvPr>
@@ -1792,7 +1792,7 @@
           <p:cNvPr id="7" name="日期占位符 6">
             <a:extLst>
               <a:ext uri="{FF2B5EF4-FFF2-40B4-BE49-F238E27FC236}">
-                <a16:creationId xmlns:a16="http://schemas.microsoft.com/office/drawing/2014/main" id="{07C21BBA-0B2E-A5D4-04FC-15B7E7422BE2}"/>
+                <a16:creationId xmlns:a16="http://schemas.microsoft.com/office/drawing/2014/main" id="{1CECF325-E367-5C9B-62CE-AA89B05FA93E}"/>
               </a:ext>
             </a:extLst>
           </p:cNvPr>
@@ -1808,7 +1808,7 @@
           <a:bodyPr/>
           <a:lstStyle/>
           <a:p>
-            <a:fld id="{C97B3CA7-DA29-4662-B2E5-7D71EEDD2FE6}" type="datetimeFigureOut">
+            <a:fld id="{CF49AC0C-ED29-4787-9FF8-987E3E5F0D6A}" type="datetimeFigureOut">
               <a:rPr lang="zh-CN" altLang="en-US" smtClean="0"/>
               <a:t>2024/3/10</a:t>
             </a:fld>
@@ -1821,7 +1821,7 @@
           <p:cNvPr id="8" name="页脚占位符 7">
             <a:extLst>
               <a:ext uri="{FF2B5EF4-FFF2-40B4-BE49-F238E27FC236}">
-                <a16:creationId xmlns:a16="http://schemas.microsoft.com/office/drawing/2014/main" id="{D79F800A-578A-5DE7-79E8-5276C0A2734E}"/>
+                <a16:creationId xmlns:a16="http://schemas.microsoft.com/office/drawing/2014/main" id="{A774398A-1163-6972-F580-C13036D4BD07}"/>
               </a:ext>
             </a:extLst>
           </p:cNvPr>
@@ -1846,7 +1846,7 @@
           <p:cNvPr id="9" name="灯片编号占位符 8">
             <a:extLst>
               <a:ext uri="{FF2B5EF4-FFF2-40B4-BE49-F238E27FC236}">
-                <a16:creationId xmlns:a16="http://schemas.microsoft.com/office/drawing/2014/main" id="{0E281FE7-EACD-3E87-6A7F-99CFBF9928AB}"/>
+                <a16:creationId xmlns:a16="http://schemas.microsoft.com/office/drawing/2014/main" id="{AF4BED50-CCAD-4829-885C-2484DB5280AB}"/>
               </a:ext>
             </a:extLst>
           </p:cNvPr>
@@ -1862,7 +1862,7 @@
           <a:bodyPr/>
           <a:lstStyle/>
           <a:p>
-            <a:fld id="{649326B7-02F6-405E-9734-16F48B5C3F5E}" type="slidenum">
+            <a:fld id="{5B95262F-5ACD-42B1-AED0-C59A974D155F}" type="slidenum">
               <a:rPr lang="zh-CN" altLang="en-US" smtClean="0"/>
               <a:t>‹#›</a:t>
             </a:fld>
@@ -1873,7 +1873,7 @@
     </p:spTree>
     <p:extLst>
       <p:ext uri="{BB962C8B-B14F-4D97-AF65-F5344CB8AC3E}">
-        <p14:creationId xmlns:p14="http://schemas.microsoft.com/office/powerpoint/2010/main" val="2079938837"/>
+        <p14:creationId xmlns:p14="http://schemas.microsoft.com/office/powerpoint/2010/main" val="891044894"/>
       </p:ext>
     </p:extLst>
   </p:cSld>
@@ -1905,7 +1905,7 @@
           <p:cNvPr id="2" name="标题 1">
             <a:extLst>
               <a:ext uri="{FF2B5EF4-FFF2-40B4-BE49-F238E27FC236}">
-                <a16:creationId xmlns:a16="http://schemas.microsoft.com/office/drawing/2014/main" id="{6C5780F5-C40A-3B97-44E3-D6274D7DB566}"/>
+                <a16:creationId xmlns:a16="http://schemas.microsoft.com/office/drawing/2014/main" id="{861944EE-3E52-AC14-5DE1-D18AF58E9FDC}"/>
               </a:ext>
             </a:extLst>
           </p:cNvPr>
@@ -1933,7 +1933,7 @@
           <p:cNvPr id="3" name="日期占位符 2">
             <a:extLst>
               <a:ext uri="{FF2B5EF4-FFF2-40B4-BE49-F238E27FC236}">
-                <a16:creationId xmlns:a16="http://schemas.microsoft.com/office/drawing/2014/main" id="{EDDA848B-282B-0C9F-95C2-B1CA7035AED7}"/>
+                <a16:creationId xmlns:a16="http://schemas.microsoft.com/office/drawing/2014/main" id="{CF204818-5E92-98B1-E736-1894E3017CFA}"/>
               </a:ext>
             </a:extLst>
           </p:cNvPr>
@@ -1949,7 +1949,7 @@
           <a:bodyPr/>
           <a:lstStyle/>
           <a:p>
-            <a:fld id="{C97B3CA7-DA29-4662-B2E5-7D71EEDD2FE6}" type="datetimeFigureOut">
+            <a:fld id="{CF49AC0C-ED29-4787-9FF8-987E3E5F0D6A}" type="datetimeFigureOut">
               <a:rPr lang="zh-CN" altLang="en-US" smtClean="0"/>
               <a:t>2024/3/10</a:t>
             </a:fld>
@@ -1962,7 +1962,7 @@
           <p:cNvPr id="4" name="页脚占位符 3">
             <a:extLst>
               <a:ext uri="{FF2B5EF4-FFF2-40B4-BE49-F238E27FC236}">
-                <a16:creationId xmlns:a16="http://schemas.microsoft.com/office/drawing/2014/main" id="{7814B686-D4FD-1DA2-7827-C1FB4F7EF8A3}"/>
+                <a16:creationId xmlns:a16="http://schemas.microsoft.com/office/drawing/2014/main" id="{84ED3C9A-95D2-7142-A4BF-476783F8A147}"/>
               </a:ext>
             </a:extLst>
           </p:cNvPr>
@@ -1987,7 +1987,7 @@
           <p:cNvPr id="5" name="灯片编号占位符 4">
             <a:extLst>
               <a:ext uri="{FF2B5EF4-FFF2-40B4-BE49-F238E27FC236}">
-                <a16:creationId xmlns:a16="http://schemas.microsoft.com/office/drawing/2014/main" id="{9F35871E-320E-9A16-D244-564E53CE3FC3}"/>
+                <a16:creationId xmlns:a16="http://schemas.microsoft.com/office/drawing/2014/main" id="{AD7A1935-A0FF-7028-B5A6-CE68E4A08441}"/>
               </a:ext>
             </a:extLst>
           </p:cNvPr>
@@ -2003,7 +2003,7 @@
           <a:bodyPr/>
           <a:lstStyle/>
           <a:p>
-            <a:fld id="{649326B7-02F6-405E-9734-16F48B5C3F5E}" type="slidenum">
+            <a:fld id="{5B95262F-5ACD-42B1-AED0-C59A974D155F}" type="slidenum">
               <a:rPr lang="zh-CN" altLang="en-US" smtClean="0"/>
               <a:t>‹#›</a:t>
             </a:fld>
@@ -2014,7 +2014,7 @@
     </p:spTree>
     <p:extLst>
       <p:ext uri="{BB962C8B-B14F-4D97-AF65-F5344CB8AC3E}">
-        <p14:creationId xmlns:p14="http://schemas.microsoft.com/office/powerpoint/2010/main" val="3501691534"/>
+        <p14:creationId xmlns:p14="http://schemas.microsoft.com/office/powerpoint/2010/main" val="2003265506"/>
       </p:ext>
     </p:extLst>
   </p:cSld>
@@ -2046,7 +2046,7 @@
           <p:cNvPr id="2" name="日期占位符 1">
             <a:extLst>
               <a:ext uri="{FF2B5EF4-FFF2-40B4-BE49-F238E27FC236}">
-                <a16:creationId xmlns:a16="http://schemas.microsoft.com/office/drawing/2014/main" id="{3F6BEE59-6244-D53D-5F4D-72437B009F50}"/>
+                <a16:creationId xmlns:a16="http://schemas.microsoft.com/office/drawing/2014/main" id="{B4FD1A35-3168-3F2F-90FC-42229DF18FB1}"/>
               </a:ext>
             </a:extLst>
           </p:cNvPr>
@@ -2062,7 +2062,7 @@
           <a:bodyPr/>
           <a:lstStyle/>
           <a:p>
-            <a:fld id="{C97B3CA7-DA29-4662-B2E5-7D71EEDD2FE6}" type="datetimeFigureOut">
+            <a:fld id="{CF49AC0C-ED29-4787-9FF8-987E3E5F0D6A}" type="datetimeFigureOut">
               <a:rPr lang="zh-CN" altLang="en-US" smtClean="0"/>
               <a:t>2024/3/10</a:t>
             </a:fld>
@@ -2075,7 +2075,7 @@
           <p:cNvPr id="3" name="页脚占位符 2">
             <a:extLst>
               <a:ext uri="{FF2B5EF4-FFF2-40B4-BE49-F238E27FC236}">
-                <a16:creationId xmlns:a16="http://schemas.microsoft.com/office/drawing/2014/main" id="{CDC2FE79-E8C1-0E2F-D5D8-F8C9432588F8}"/>
+                <a16:creationId xmlns:a16="http://schemas.microsoft.com/office/drawing/2014/main" id="{2E56E15E-38EB-34B4-A4DD-C3A73E0E2802}"/>
               </a:ext>
             </a:extLst>
           </p:cNvPr>
@@ -2100,7 +2100,7 @@
           <p:cNvPr id="4" name="灯片编号占位符 3">
             <a:extLst>
               <a:ext uri="{FF2B5EF4-FFF2-40B4-BE49-F238E27FC236}">
-                <a16:creationId xmlns:a16="http://schemas.microsoft.com/office/drawing/2014/main" id="{312045A4-4FB1-2DAA-2674-849169767F3E}"/>
+                <a16:creationId xmlns:a16="http://schemas.microsoft.com/office/drawing/2014/main" id="{0FCD9315-E7A5-7C1F-10D6-9312419B2C97}"/>
               </a:ext>
             </a:extLst>
           </p:cNvPr>
@@ -2116,7 +2116,7 @@
           <a:bodyPr/>
           <a:lstStyle/>
           <a:p>
-            <a:fld id="{649326B7-02F6-405E-9734-16F48B5C3F5E}" type="slidenum">
+            <a:fld id="{5B95262F-5ACD-42B1-AED0-C59A974D155F}" type="slidenum">
               <a:rPr lang="zh-CN" altLang="en-US" smtClean="0"/>
               <a:t>‹#›</a:t>
             </a:fld>
@@ -2127,7 +2127,7 @@
     </p:spTree>
     <p:extLst>
       <p:ext uri="{BB962C8B-B14F-4D97-AF65-F5344CB8AC3E}">
-        <p14:creationId xmlns:p14="http://schemas.microsoft.com/office/powerpoint/2010/main" val="833103777"/>
+        <p14:creationId xmlns:p14="http://schemas.microsoft.com/office/powerpoint/2010/main" val="1394780228"/>
       </p:ext>
     </p:extLst>
   </p:cSld>
@@ -2159,7 +2159,7 @@
           <p:cNvPr id="2" name="标题 1">
             <a:extLst>
               <a:ext uri="{FF2B5EF4-FFF2-40B4-BE49-F238E27FC236}">
-                <a16:creationId xmlns:a16="http://schemas.microsoft.com/office/drawing/2014/main" id="{C1F6C5F0-13B0-0A44-7EFB-B20D58936E4E}"/>
+                <a16:creationId xmlns:a16="http://schemas.microsoft.com/office/drawing/2014/main" id="{9D2FDED2-86B4-265D-34A9-60EC9463D93C}"/>
               </a:ext>
             </a:extLst>
           </p:cNvPr>
@@ -2196,7 +2196,7 @@
           <p:cNvPr id="3" name="内容占位符 2">
             <a:extLst>
               <a:ext uri="{FF2B5EF4-FFF2-40B4-BE49-F238E27FC236}">
-                <a16:creationId xmlns:a16="http://schemas.microsoft.com/office/drawing/2014/main" id="{51A8CE32-BF87-06F5-9558-A93AC4F37CFC}"/>
+                <a16:creationId xmlns:a16="http://schemas.microsoft.com/office/drawing/2014/main" id="{811782BC-02E2-D5F1-DB92-62DEA4760F16}"/>
               </a:ext>
             </a:extLst>
           </p:cNvPr>
@@ -2286,7 +2286,7 @@
           <p:cNvPr id="4" name="文本占位符 3">
             <a:extLst>
               <a:ext uri="{FF2B5EF4-FFF2-40B4-BE49-F238E27FC236}">
-                <a16:creationId xmlns:a16="http://schemas.microsoft.com/office/drawing/2014/main" id="{DB31FE02-6EE6-C4B2-974C-AE6214487A26}"/>
+                <a16:creationId xmlns:a16="http://schemas.microsoft.com/office/drawing/2014/main" id="{CF7CA145-659D-827A-139A-CBBBD232AF91}"/>
               </a:ext>
             </a:extLst>
           </p:cNvPr>
@@ -2357,7 +2357,7 @@
           <p:cNvPr id="5" name="日期占位符 4">
             <a:extLst>
               <a:ext uri="{FF2B5EF4-FFF2-40B4-BE49-F238E27FC236}">
-                <a16:creationId xmlns:a16="http://schemas.microsoft.com/office/drawing/2014/main" id="{72CD8687-1743-F6B9-58FE-5E31F26B97A5}"/>
+                <a16:creationId xmlns:a16="http://schemas.microsoft.com/office/drawing/2014/main" id="{E254C030-887A-2074-2E07-7BAC4ADCD3A0}"/>
               </a:ext>
             </a:extLst>
           </p:cNvPr>
@@ -2373,7 +2373,7 @@
           <a:bodyPr/>
           <a:lstStyle/>
           <a:p>
-            <a:fld id="{C97B3CA7-DA29-4662-B2E5-7D71EEDD2FE6}" type="datetimeFigureOut">
+            <a:fld id="{CF49AC0C-ED29-4787-9FF8-987E3E5F0D6A}" type="datetimeFigureOut">
               <a:rPr lang="zh-CN" altLang="en-US" smtClean="0"/>
               <a:t>2024/3/10</a:t>
             </a:fld>
@@ -2386,7 +2386,7 @@
           <p:cNvPr id="6" name="页脚占位符 5">
             <a:extLst>
               <a:ext uri="{FF2B5EF4-FFF2-40B4-BE49-F238E27FC236}">
-                <a16:creationId xmlns:a16="http://schemas.microsoft.com/office/drawing/2014/main" id="{2C1D789D-6694-EB04-A007-4B2887673543}"/>
+                <a16:creationId xmlns:a16="http://schemas.microsoft.com/office/drawing/2014/main" id="{96BEA9B6-50CE-3339-608D-032A628599B9}"/>
               </a:ext>
             </a:extLst>
           </p:cNvPr>
@@ -2411,7 +2411,7 @@
           <p:cNvPr id="7" name="灯片编号占位符 6">
             <a:extLst>
               <a:ext uri="{FF2B5EF4-FFF2-40B4-BE49-F238E27FC236}">
-                <a16:creationId xmlns:a16="http://schemas.microsoft.com/office/drawing/2014/main" id="{85DD949D-A9F5-3E63-B666-F2CB7334203C}"/>
+                <a16:creationId xmlns:a16="http://schemas.microsoft.com/office/drawing/2014/main" id="{50DC01B1-9775-30C6-E2E4-497D34702B9A}"/>
               </a:ext>
             </a:extLst>
           </p:cNvPr>
@@ -2427,7 +2427,7 @@
           <a:bodyPr/>
           <a:lstStyle/>
           <a:p>
-            <a:fld id="{649326B7-02F6-405E-9734-16F48B5C3F5E}" type="slidenum">
+            <a:fld id="{5B95262F-5ACD-42B1-AED0-C59A974D155F}" type="slidenum">
               <a:rPr lang="zh-CN" altLang="en-US" smtClean="0"/>
               <a:t>‹#›</a:t>
             </a:fld>
@@ -2438,7 +2438,7 @@
     </p:spTree>
     <p:extLst>
       <p:ext uri="{BB962C8B-B14F-4D97-AF65-F5344CB8AC3E}">
-        <p14:creationId xmlns:p14="http://schemas.microsoft.com/office/powerpoint/2010/main" val="2458923052"/>
+        <p14:creationId xmlns:p14="http://schemas.microsoft.com/office/powerpoint/2010/main" val="2790515904"/>
       </p:ext>
     </p:extLst>
   </p:cSld>
@@ -2470,7 +2470,7 @@
           <p:cNvPr id="2" name="标题 1">
             <a:extLst>
               <a:ext uri="{FF2B5EF4-FFF2-40B4-BE49-F238E27FC236}">
-                <a16:creationId xmlns:a16="http://schemas.microsoft.com/office/drawing/2014/main" id="{8FB36227-F0E4-435B-BD8D-27DA8B93E0F4}"/>
+                <a16:creationId xmlns:a16="http://schemas.microsoft.com/office/drawing/2014/main" id="{058CC257-45C3-AD97-5BB1-14BB57514BDC}"/>
               </a:ext>
             </a:extLst>
           </p:cNvPr>
@@ -2507,7 +2507,7 @@
           <p:cNvPr id="3" name="图片占位符 2">
             <a:extLst>
               <a:ext uri="{FF2B5EF4-FFF2-40B4-BE49-F238E27FC236}">
-                <a16:creationId xmlns:a16="http://schemas.microsoft.com/office/drawing/2014/main" id="{E57B665A-9948-EFB1-E6CB-6706CDA78D5F}"/>
+                <a16:creationId xmlns:a16="http://schemas.microsoft.com/office/drawing/2014/main" id="{874BA2A3-839B-175E-ECBE-BE7995DAB633}"/>
               </a:ext>
             </a:extLst>
           </p:cNvPr>
@@ -2574,7 +2574,7 @@
           <p:cNvPr id="4" name="文本占位符 3">
             <a:extLst>
               <a:ext uri="{FF2B5EF4-FFF2-40B4-BE49-F238E27FC236}">
-                <a16:creationId xmlns:a16="http://schemas.microsoft.com/office/drawing/2014/main" id="{9421FDFF-6ADB-973C-D738-2ED91386C519}"/>
+                <a16:creationId xmlns:a16="http://schemas.microsoft.com/office/drawing/2014/main" id="{B4588F9F-1B78-9DD0-A7E0-1163F29B3954}"/>
               </a:ext>
             </a:extLst>
           </p:cNvPr>
@@ -2645,7 +2645,7 @@
           <p:cNvPr id="5" name="日期占位符 4">
             <a:extLst>
               <a:ext uri="{FF2B5EF4-FFF2-40B4-BE49-F238E27FC236}">
-                <a16:creationId xmlns:a16="http://schemas.microsoft.com/office/drawing/2014/main" id="{A9D5C900-79A4-F5E4-119F-7A82CB179DFF}"/>
+                <a16:creationId xmlns:a16="http://schemas.microsoft.com/office/drawing/2014/main" id="{6D44BBB9-11CB-A41E-F75B-D60106873BCF}"/>
               </a:ext>
             </a:extLst>
           </p:cNvPr>
@@ -2661,7 +2661,7 @@
           <a:bodyPr/>
           <a:lstStyle/>
           <a:p>
-            <a:fld id="{C97B3CA7-DA29-4662-B2E5-7D71EEDD2FE6}" type="datetimeFigureOut">
+            <a:fld id="{CF49AC0C-ED29-4787-9FF8-987E3E5F0D6A}" type="datetimeFigureOut">
               <a:rPr lang="zh-CN" altLang="en-US" smtClean="0"/>
               <a:t>2024/3/10</a:t>
             </a:fld>
@@ -2674,7 +2674,7 @@
           <p:cNvPr id="6" name="页脚占位符 5">
             <a:extLst>
               <a:ext uri="{FF2B5EF4-FFF2-40B4-BE49-F238E27FC236}">
-                <a16:creationId xmlns:a16="http://schemas.microsoft.com/office/drawing/2014/main" id="{F0061C23-F5B3-DEDC-58FF-2C177D07143B}"/>
+                <a16:creationId xmlns:a16="http://schemas.microsoft.com/office/drawing/2014/main" id="{EE8C0B7C-D24C-07C4-30E5-15F3D1E1C35F}"/>
               </a:ext>
             </a:extLst>
           </p:cNvPr>
@@ -2699,7 +2699,7 @@
           <p:cNvPr id="7" name="灯片编号占位符 6">
             <a:extLst>
               <a:ext uri="{FF2B5EF4-FFF2-40B4-BE49-F238E27FC236}">
-                <a16:creationId xmlns:a16="http://schemas.microsoft.com/office/drawing/2014/main" id="{FEB3E003-0A56-3213-58F9-740B3BDB13EE}"/>
+                <a16:creationId xmlns:a16="http://schemas.microsoft.com/office/drawing/2014/main" id="{683CE88F-5227-46F1-9F87-236D8F5E7638}"/>
               </a:ext>
             </a:extLst>
           </p:cNvPr>
@@ -2715,7 +2715,7 @@
           <a:bodyPr/>
           <a:lstStyle/>
           <a:p>
-            <a:fld id="{649326B7-02F6-405E-9734-16F48B5C3F5E}" type="slidenum">
+            <a:fld id="{5B95262F-5ACD-42B1-AED0-C59A974D155F}" type="slidenum">
               <a:rPr lang="zh-CN" altLang="en-US" smtClean="0"/>
               <a:t>‹#›</a:t>
             </a:fld>
@@ -2726,7 +2726,7 @@
     </p:spTree>
     <p:extLst>
       <p:ext uri="{BB962C8B-B14F-4D97-AF65-F5344CB8AC3E}">
-        <p14:creationId xmlns:p14="http://schemas.microsoft.com/office/powerpoint/2010/main" val="867714672"/>
+        <p14:creationId xmlns:p14="http://schemas.microsoft.com/office/powerpoint/2010/main" val="4094335478"/>
       </p:ext>
     </p:extLst>
   </p:cSld>
@@ -2763,7 +2763,7 @@
           <p:cNvPr id="2" name="标题占位符 1">
             <a:extLst>
               <a:ext uri="{FF2B5EF4-FFF2-40B4-BE49-F238E27FC236}">
-                <a16:creationId xmlns:a16="http://schemas.microsoft.com/office/drawing/2014/main" id="{FE8B8464-6427-B60A-3CB4-CE7B430CACB5}"/>
+                <a16:creationId xmlns:a16="http://schemas.microsoft.com/office/drawing/2014/main" id="{C2DA7267-4CAB-E5EB-9704-B3CCA4A31D2F}"/>
               </a:ext>
             </a:extLst>
           </p:cNvPr>
@@ -2801,7 +2801,7 @@
           <p:cNvPr id="3" name="文本占位符 2">
             <a:extLst>
               <a:ext uri="{FF2B5EF4-FFF2-40B4-BE49-F238E27FC236}">
-                <a16:creationId xmlns:a16="http://schemas.microsoft.com/office/drawing/2014/main" id="{084F3C5B-274F-6BE5-59D7-2FBC215DEC48}"/>
+                <a16:creationId xmlns:a16="http://schemas.microsoft.com/office/drawing/2014/main" id="{77317714-BF2C-C16F-E2F6-D1ED1A8D4E81}"/>
               </a:ext>
             </a:extLst>
           </p:cNvPr>
@@ -2868,7 +2868,7 @@
           <p:cNvPr id="4" name="日期占位符 3">
             <a:extLst>
               <a:ext uri="{FF2B5EF4-FFF2-40B4-BE49-F238E27FC236}">
-                <a16:creationId xmlns:a16="http://schemas.microsoft.com/office/drawing/2014/main" id="{0C986862-E48D-5762-93FC-1C761AAC200F}"/>
+                <a16:creationId xmlns:a16="http://schemas.microsoft.com/office/drawing/2014/main" id="{F4C6B7F0-25BB-04DB-B742-5351FFED88D1}"/>
               </a:ext>
             </a:extLst>
           </p:cNvPr>
@@ -2902,7 +2902,7 @@
             </a:lvl1pPr>
           </a:lstStyle>
           <a:p>
-            <a:fld id="{C97B3CA7-DA29-4662-B2E5-7D71EEDD2FE6}" type="datetimeFigureOut">
+            <a:fld id="{CF49AC0C-ED29-4787-9FF8-987E3E5F0D6A}" type="datetimeFigureOut">
               <a:rPr lang="zh-CN" altLang="en-US" smtClean="0"/>
               <a:t>2024/3/10</a:t>
             </a:fld>
@@ -2915,7 +2915,7 @@
           <p:cNvPr id="5" name="页脚占位符 4">
             <a:extLst>
               <a:ext uri="{FF2B5EF4-FFF2-40B4-BE49-F238E27FC236}">
-                <a16:creationId xmlns:a16="http://schemas.microsoft.com/office/drawing/2014/main" id="{06A04FBE-031C-180A-9D25-421BD54CCDCF}"/>
+                <a16:creationId xmlns:a16="http://schemas.microsoft.com/office/drawing/2014/main" id="{86BB1D85-4115-6301-547F-461AE5A1DCA8}"/>
               </a:ext>
             </a:extLst>
           </p:cNvPr>
@@ -2958,7 +2958,7 @@
           <p:cNvPr id="6" name="灯片编号占位符 5">
             <a:extLst>
               <a:ext uri="{FF2B5EF4-FFF2-40B4-BE49-F238E27FC236}">
-                <a16:creationId xmlns:a16="http://schemas.microsoft.com/office/drawing/2014/main" id="{8884755F-07F7-BFD2-A649-8DA588F6DA83}"/>
+                <a16:creationId xmlns:a16="http://schemas.microsoft.com/office/drawing/2014/main" id="{4F116309-0231-55FF-1781-D482B1BF6A1C}"/>
               </a:ext>
             </a:extLst>
           </p:cNvPr>
@@ -2992,7 +2992,7 @@
             </a:lvl1pPr>
           </a:lstStyle>
           <a:p>
-            <a:fld id="{649326B7-02F6-405E-9734-16F48B5C3F5E}" type="slidenum">
+            <a:fld id="{5B95262F-5ACD-42B1-AED0-C59A974D155F}" type="slidenum">
               <a:rPr lang="zh-CN" altLang="en-US" smtClean="0"/>
               <a:t>‹#›</a:t>
             </a:fld>
@@ -3003,7 +3003,7 @@
     </p:spTree>
     <p:extLst>
       <p:ext uri="{BB962C8B-B14F-4D97-AF65-F5344CB8AC3E}">
-        <p14:creationId xmlns:p14="http://schemas.microsoft.com/office/powerpoint/2010/main" val="2627177924"/>
+        <p14:creationId xmlns:p14="http://schemas.microsoft.com/office/powerpoint/2010/main" val="1892208619"/>
       </p:ext>
     </p:extLst>
   </p:cSld>
